--- a/week_03/images/images.pptx
+++ b/week_03/images/images.pptx
@@ -5830,7 +5830,7 @@
           <p:nvPr>
             <p:extLst>
               <p:ext uri="{D42A27DB-BD31-4B8C-83A1-F6EECF244321}">
-                <p14:modId xmlns:p14="http://schemas.microsoft.com/office/powerpoint/2010/main" val="3943958864"/>
+                <p14:modId xmlns:p14="http://schemas.microsoft.com/office/powerpoint/2010/main" val="3397732476"/>
               </p:ext>
             </p:extLst>
           </p:nvPr>
@@ -6173,7 +6173,7 @@
           <p:nvPr>
             <p:extLst>
               <p:ext uri="{D42A27DB-BD31-4B8C-83A1-F6EECF244321}">
-                <p14:modId xmlns:p14="http://schemas.microsoft.com/office/powerpoint/2010/main" val="3741144686"/>
+                <p14:modId xmlns:p14="http://schemas.microsoft.com/office/powerpoint/2010/main" val="2302651021"/>
               </p:ext>
             </p:extLst>
           </p:nvPr>
@@ -6675,7 +6675,7 @@
           <p:nvPr>
             <p:extLst>
               <p:ext uri="{D42A27DB-BD31-4B8C-83A1-F6EECF244321}">
-                <p14:modId xmlns:p14="http://schemas.microsoft.com/office/powerpoint/2010/main" val="1639773785"/>
+                <p14:modId xmlns:p14="http://schemas.microsoft.com/office/powerpoint/2010/main" val="3917527892"/>
               </p:ext>
             </p:extLst>
           </p:nvPr>
